--- a/Apresentação_Web.pptx
+++ b/Apresentação_Web.pptx
@@ -425,7 +425,7 @@
           <a:p>
             <a:fld id="{12241623-A064-4BED-B073-BA4D61433402}" type="datetime1">
               <a:rPr lang="en-US" smtClean="0"/>
-              <a:t>6/17/2024</a:t>
+              <a:t>6/18/2024</a:t>
             </a:fld>
             <a:endParaRPr lang="en-US" dirty="0"/>
           </a:p>
@@ -1236,7 +1236,7 @@
           <a:p>
             <a:fld id="{6F86ED0C-1DA7-41F0-94CF-6218B1FEDFF1}" type="datetime1">
               <a:rPr lang="en-US" smtClean="0"/>
-              <a:t>6/17/2024</a:t>
+              <a:t>6/18/2024</a:t>
             </a:fld>
             <a:endParaRPr lang="en-US" dirty="0"/>
           </a:p>
@@ -1435,7 +1435,7 @@
           <a:p>
             <a:fld id="{EECF02AB-6034-4B88-BC5A-7C17CB0EF809}" type="datetime1">
               <a:rPr lang="en-US" smtClean="0"/>
-              <a:t>6/17/2024</a:t>
+              <a:t>6/18/2024</a:t>
             </a:fld>
             <a:endParaRPr lang="en-US" dirty="0"/>
           </a:p>
@@ -1670,7 +1670,7 @@
           <a:p>
             <a:fld id="{22F3E5F3-28EE-488F-BD53-B744C06C3DEC}" type="datetime1">
               <a:rPr lang="en-US" smtClean="0"/>
-              <a:t>6/17/2024</a:t>
+              <a:t>6/18/2024</a:t>
             </a:fld>
             <a:endParaRPr lang="en-US" dirty="0"/>
           </a:p>
@@ -4363,7 +4363,7 @@
           <a:p>
             <a:fld id="{E72EB70D-CD01-44DA-83B3-8FEB3383D307}" type="datetime1">
               <a:rPr lang="en-US" smtClean="0"/>
-              <a:t>6/17/2024</a:t>
+              <a:t>6/18/2024</a:t>
             </a:fld>
             <a:endParaRPr lang="en-US" dirty="0"/>
           </a:p>
@@ -4559,7 +4559,7 @@
           <a:p>
             <a:fld id="{D0158CFD-9357-46BE-A189-D637A67C8730}" type="datetime1">
               <a:rPr lang="en-US" smtClean="0"/>
-              <a:t>6/17/2024</a:t>
+              <a:t>6/18/2024</a:t>
             </a:fld>
             <a:endParaRPr lang="en-US" dirty="0"/>
           </a:p>
@@ -4948,7 +4948,7 @@
           <a:p>
             <a:fld id="{7B4742EE-B331-4632-BD10-A82FED6B6FC0}" type="datetime1">
               <a:rPr lang="en-US" smtClean="0"/>
-              <a:t>6/17/2024</a:t>
+              <a:t>6/18/2024</a:t>
             </a:fld>
             <a:endParaRPr lang="en-US" dirty="0"/>
           </a:p>
@@ -5114,7 +5114,7 @@
           <a:p>
             <a:fld id="{451BA835-D13F-49F4-8F11-5D576AC65FAD}" type="datetime1">
               <a:rPr lang="en-US" smtClean="0"/>
-              <a:t>6/17/2024</a:t>
+              <a:t>6/18/2024</a:t>
             </a:fld>
             <a:endParaRPr lang="en-US" dirty="0"/>
           </a:p>
@@ -5237,7 +5237,7 @@
           <a:p>
             <a:fld id="{ADBD1799-ACB5-4CB2-86A2-5C574F1C8706}" type="datetime1">
               <a:rPr lang="en-US" smtClean="0"/>
-              <a:t>6/17/2024</a:t>
+              <a:t>6/18/2024</a:t>
             </a:fld>
             <a:endParaRPr lang="en-US" dirty="0"/>
           </a:p>
@@ -5547,7 +5547,7 @@
           <a:p>
             <a:fld id="{ED5DD0D6-7A82-473E-879B-C6ECD6CCCFEC}" type="datetime1">
               <a:rPr lang="en-US" smtClean="0"/>
-              <a:t>6/17/2024</a:t>
+              <a:t>6/18/2024</a:t>
             </a:fld>
             <a:endParaRPr lang="en-US" dirty="0"/>
           </a:p>
@@ -5847,7 +5847,7 @@
           <a:p>
             <a:fld id="{D4605E03-BC17-41A7-854C-DFAB672737DC}" type="datetime1">
               <a:rPr lang="en-US" smtClean="0"/>
-              <a:t>6/17/2024</a:t>
+              <a:t>6/18/2024</a:t>
             </a:fld>
             <a:endParaRPr lang="en-US" dirty="0"/>
           </a:p>
@@ -6099,7 +6099,7 @@
           <a:p>
             <a:fld id="{C4408324-A84C-4A45-93B6-78D079CCE772}" type="datetime1">
               <a:rPr lang="en-US" smtClean="0"/>
-              <a:t>6/17/2024</a:t>
+              <a:t>6/18/2024</a:t>
             </a:fld>
             <a:endParaRPr lang="en-US" dirty="0"/>
           </a:p>
@@ -8460,8 +8460,16 @@
 </file>
 
 <file path=ppt/slides/slide5.xml><?xml version="1.0" encoding="utf-8"?>
-<p:sld xmlns:a="http://schemas.openxmlformats.org/drawingml/2006/main" xmlns:r="http://schemas.openxmlformats.org/officeDocument/2006/relationships" xmlns:p="http://schemas.openxmlformats.org/presentationml/2006/main" show="0">
+<p:sld xmlns:a="http://schemas.openxmlformats.org/drawingml/2006/main" xmlns:r="http://schemas.openxmlformats.org/officeDocument/2006/relationships" xmlns:p="http://schemas.openxmlformats.org/presentationml/2006/main">
   <p:cSld>
+    <p:bg>
+      <p:bgPr>
+        <a:solidFill>
+          <a:schemeClr val="bg2"/>
+        </a:solidFill>
+        <a:effectLst/>
+      </p:bgPr>
+    </p:bg>
     <p:spTree>
       <p:nvGrpSpPr>
         <p:cNvPr id="1" name=""/>
@@ -8476,6 +8484,698 @@
           <a:chExt cx="0" cy="0"/>
         </a:xfrm>
       </p:grpSpPr>
+      <p:sp useBgFill="1">
+        <p:nvSpPr>
+          <p:cNvPr id="11" name="Rectangle 10">
+            <a:extLst>
+              <a:ext uri="{FF2B5EF4-FFF2-40B4-BE49-F238E27FC236}">
+                <a16:creationId xmlns:a16="http://schemas.microsoft.com/office/drawing/2014/main" id="{3D5FBB81-B61B-416A-8F5D-A8DDF62530F1}"/>
+              </a:ext>
+              <a:ext uri="{C183D7F6-B498-43B3-948B-1728B52AA6E4}">
+                <adec:decorative xmlns:adec="http://schemas.microsoft.com/office/drawing/2017/decorative" val="1"/>
+              </a:ext>
+            </a:extLst>
+          </p:cNvPr>
+          <p:cNvSpPr>
+            <a:spLocks noGrp="1" noRot="1" noChangeAspect="1" noMove="1" noResize="1" noEditPoints="1" noAdjustHandles="1" noChangeArrowheads="1" noChangeShapeType="1" noTextEdit="1"/>
+          </p:cNvSpPr>
+          <p:nvPr>
+            <p:extLst>
+              <p:ext uri="{386F3935-93C4-4BCD-93E2-E3B085C9AB24}">
+                <p16:designElem xmlns:p16="http://schemas.microsoft.com/office/powerpoint/2015/main" val="1"/>
+              </p:ext>
+            </p:extLst>
+          </p:nvPr>
+        </p:nvSpPr>
+        <p:spPr>
+          <a:xfrm>
+            <a:off x="153" y="0"/>
+            <a:ext cx="12191695" cy="6858000"/>
+          </a:xfrm>
+          <a:prstGeom prst="rect">
+            <a:avLst/>
+          </a:prstGeom>
+          <a:ln>
+            <a:noFill/>
+          </a:ln>
+        </p:spPr>
+        <p:style>
+          <a:lnRef idx="2">
+            <a:schemeClr val="accent1">
+              <a:shade val="50000"/>
+            </a:schemeClr>
+          </a:lnRef>
+          <a:fillRef idx="1">
+            <a:schemeClr val="accent1"/>
+          </a:fillRef>
+          <a:effectRef idx="0">
+            <a:schemeClr val="accent1"/>
+          </a:effectRef>
+          <a:fontRef idx="minor">
+            <a:schemeClr val="lt1"/>
+          </a:fontRef>
+        </p:style>
+        <p:txBody>
+          <a:bodyPr rtlCol="0" anchor="ctr"/>
+          <a:lstStyle/>
+          <a:p>
+            <a:pPr marL="0" marR="0" lvl="0" indent="0" algn="ctr" defTabSz="457200" rtl="0" eaLnBrk="1" fontAlgn="auto" latinLnBrk="0" hangingPunct="1">
+              <a:lnSpc>
+                <a:spcPct val="100000"/>
+              </a:lnSpc>
+              <a:spcBef>
+                <a:spcPts val="0"/>
+              </a:spcBef>
+              <a:spcAft>
+                <a:spcPts val="0"/>
+              </a:spcAft>
+              <a:buClrTx/>
+              <a:buSzTx/>
+              <a:buFontTx/>
+              <a:buNone/>
+              <a:tabLst/>
+              <a:defRPr/>
+            </a:pPr>
+            <a:endParaRPr kumimoji="0" lang="en-US" sz="1800" b="0" i="0" u="none" strike="noStrike" kern="1200" cap="none" spc="0" normalizeH="0" baseline="0" noProof="0" dirty="0">
+              <a:ln>
+                <a:noFill/>
+              </a:ln>
+              <a:solidFill>
+                <a:prstClr val="white"/>
+              </a:solidFill>
+              <a:effectLst/>
+              <a:uLnTx/>
+              <a:uFillTx/>
+              <a:latin typeface="Meiryo"/>
+              <a:ea typeface="+mn-ea"/>
+              <a:cs typeface="+mn-cs"/>
+            </a:endParaRPr>
+          </a:p>
+        </p:txBody>
+      </p:sp>
+      <p:sp>
+        <p:nvSpPr>
+          <p:cNvPr id="13" name="Freeform: Shape 12">
+            <a:extLst>
+              <a:ext uri="{FF2B5EF4-FFF2-40B4-BE49-F238E27FC236}">
+                <a16:creationId xmlns:a16="http://schemas.microsoft.com/office/drawing/2014/main" id="{40C0D7D4-D83D-4C58-87D1-955F0A9173D7}"/>
+              </a:ext>
+              <a:ext uri="{C183D7F6-B498-43B3-948B-1728B52AA6E4}">
+                <adec:decorative xmlns:adec="http://schemas.microsoft.com/office/drawing/2017/decorative" val="1"/>
+              </a:ext>
+            </a:extLst>
+          </p:cNvPr>
+          <p:cNvSpPr>
+            <a:spLocks noGrp="1" noRot="1" noChangeAspect="1" noMove="1" noResize="1" noEditPoints="1" noAdjustHandles="1" noChangeArrowheads="1" noChangeShapeType="1" noTextEdit="1"/>
+          </p:cNvSpPr>
+          <p:nvPr>
+            <p:extLst>
+              <p:ext uri="{386F3935-93C4-4BCD-93E2-E3B085C9AB24}">
+                <p16:designElem xmlns:p16="http://schemas.microsoft.com/office/powerpoint/2015/main" val="1"/>
+              </p:ext>
+            </p:extLst>
+          </p:nvPr>
+        </p:nvSpPr>
+        <p:spPr>
+          <a:xfrm>
+            <a:off x="0" y="0"/>
+            <a:ext cx="7476051" cy="6858000"/>
+          </a:xfrm>
+          <a:custGeom>
+            <a:avLst/>
+            <a:gdLst>
+              <a:gd name="connsiteX0" fmla="*/ 0 w 7476051"/>
+              <a:gd name="connsiteY0" fmla="*/ 0 h 6858000"/>
+              <a:gd name="connsiteX1" fmla="*/ 5853028 w 7476051"/>
+              <a:gd name="connsiteY1" fmla="*/ 0 h 6858000"/>
+              <a:gd name="connsiteX2" fmla="*/ 5875152 w 7476051"/>
+              <a:gd name="connsiteY2" fmla="*/ 14997 h 6858000"/>
+              <a:gd name="connsiteX3" fmla="*/ 7476051 w 7476051"/>
+              <a:gd name="connsiteY3" fmla="*/ 3621656 h 6858000"/>
+              <a:gd name="connsiteX4" fmla="*/ 5601702 w 7476051"/>
+              <a:gd name="connsiteY4" fmla="*/ 6374814 h 6858000"/>
+              <a:gd name="connsiteX5" fmla="*/ 5085053 w 7476051"/>
+              <a:gd name="connsiteY5" fmla="*/ 6780599 h 6858000"/>
+              <a:gd name="connsiteX6" fmla="*/ 4973297 w 7476051"/>
+              <a:gd name="connsiteY6" fmla="*/ 6858000 h 6858000"/>
+              <a:gd name="connsiteX7" fmla="*/ 0 w 7476051"/>
+              <a:gd name="connsiteY7" fmla="*/ 6858000 h 6858000"/>
+            </a:gdLst>
+            <a:ahLst/>
+            <a:cxnLst>
+              <a:cxn ang="0">
+                <a:pos x="connsiteX0" y="connsiteY0"/>
+              </a:cxn>
+              <a:cxn ang="0">
+                <a:pos x="connsiteX1" y="connsiteY1"/>
+              </a:cxn>
+              <a:cxn ang="0">
+                <a:pos x="connsiteX2" y="connsiteY2"/>
+              </a:cxn>
+              <a:cxn ang="0">
+                <a:pos x="connsiteX3" y="connsiteY3"/>
+              </a:cxn>
+              <a:cxn ang="0">
+                <a:pos x="connsiteX4" y="connsiteY4"/>
+              </a:cxn>
+              <a:cxn ang="0">
+                <a:pos x="connsiteX5" y="connsiteY5"/>
+              </a:cxn>
+              <a:cxn ang="0">
+                <a:pos x="connsiteX6" y="connsiteY6"/>
+              </a:cxn>
+              <a:cxn ang="0">
+                <a:pos x="connsiteX7" y="connsiteY7"/>
+              </a:cxn>
+            </a:cxnLst>
+            <a:rect l="l" t="t" r="r" b="b"/>
+            <a:pathLst>
+              <a:path w="7476051" h="6858000">
+                <a:moveTo>
+                  <a:pt x="0" y="0"/>
+                </a:moveTo>
+                <a:lnTo>
+                  <a:pt x="5853028" y="0"/>
+                </a:lnTo>
+                <a:lnTo>
+                  <a:pt x="5875152" y="14997"/>
+                </a:lnTo>
+                <a:cubicBezTo>
+                  <a:pt x="6902315" y="754641"/>
+                  <a:pt x="7476051" y="2093192"/>
+                  <a:pt x="7476051" y="3621656"/>
+                </a:cubicBezTo>
+                <a:cubicBezTo>
+                  <a:pt x="7476051" y="4969131"/>
+                  <a:pt x="6547326" y="5602839"/>
+                  <a:pt x="5601702" y="6374814"/>
+                </a:cubicBezTo>
+                <a:cubicBezTo>
+                  <a:pt x="5429499" y="6515397"/>
+                  <a:pt x="5258871" y="6653108"/>
+                  <a:pt x="5085053" y="6780599"/>
+                </a:cubicBezTo>
+                <a:lnTo>
+                  <a:pt x="4973297" y="6858000"/>
+                </a:lnTo>
+                <a:lnTo>
+                  <a:pt x="0" y="6858000"/>
+                </a:lnTo>
+                <a:close/>
+              </a:path>
+            </a:pathLst>
+          </a:custGeom>
+          <a:solidFill>
+            <a:schemeClr val="bg1">
+              <a:alpha val="60000"/>
+            </a:schemeClr>
+          </a:solidFill>
+          <a:ln>
+            <a:noFill/>
+          </a:ln>
+        </p:spPr>
+        <p:style>
+          <a:lnRef idx="2">
+            <a:schemeClr val="accent1">
+              <a:shade val="50000"/>
+            </a:schemeClr>
+          </a:lnRef>
+          <a:fillRef idx="1">
+            <a:schemeClr val="accent1"/>
+          </a:fillRef>
+          <a:effectRef idx="0">
+            <a:schemeClr val="accent1"/>
+          </a:effectRef>
+          <a:fontRef idx="minor">
+            <a:schemeClr val="lt1"/>
+          </a:fontRef>
+        </p:style>
+        <p:txBody>
+          <a:bodyPr wrap="square" rtlCol="0" anchor="ctr">
+            <a:noAutofit/>
+          </a:bodyPr>
+          <a:lstStyle/>
+          <a:p>
+            <a:pPr marL="0" marR="0" lvl="0" indent="0" algn="ctr" defTabSz="457200" rtl="0" eaLnBrk="1" fontAlgn="auto" latinLnBrk="0" hangingPunct="1">
+              <a:lnSpc>
+                <a:spcPct val="100000"/>
+              </a:lnSpc>
+              <a:spcBef>
+                <a:spcPts val="0"/>
+              </a:spcBef>
+              <a:spcAft>
+                <a:spcPts val="0"/>
+              </a:spcAft>
+              <a:buClrTx/>
+              <a:buSzTx/>
+              <a:buFontTx/>
+              <a:buNone/>
+              <a:tabLst/>
+              <a:defRPr/>
+            </a:pPr>
+            <a:endParaRPr kumimoji="0" lang="en-US" sz="1800" b="0" i="0" u="none" strike="noStrike" kern="1200" cap="none" spc="0" normalizeH="0" baseline="0" noProof="0" dirty="0">
+              <a:ln>
+                <a:noFill/>
+              </a:ln>
+              <a:solidFill>
+                <a:prstClr val="white"/>
+              </a:solidFill>
+              <a:effectLst/>
+              <a:uLnTx/>
+              <a:uFillTx/>
+              <a:latin typeface="Meiryo"/>
+              <a:ea typeface="+mn-ea"/>
+              <a:cs typeface="+mn-cs"/>
+            </a:endParaRPr>
+          </a:p>
+        </p:txBody>
+      </p:sp>
+      <p:sp>
+        <p:nvSpPr>
+          <p:cNvPr id="15" name="Freeform: Shape 14">
+            <a:extLst>
+              <a:ext uri="{FF2B5EF4-FFF2-40B4-BE49-F238E27FC236}">
+                <a16:creationId xmlns:a16="http://schemas.microsoft.com/office/drawing/2014/main" id="{15F9A324-404E-4C5D-AFF0-C5D0D84182B0}"/>
+              </a:ext>
+              <a:ext uri="{C183D7F6-B498-43B3-948B-1728B52AA6E4}">
+                <adec:decorative xmlns:adec="http://schemas.microsoft.com/office/drawing/2017/decorative" val="1"/>
+              </a:ext>
+            </a:extLst>
+          </p:cNvPr>
+          <p:cNvSpPr>
+            <a:spLocks noGrp="1" noRot="1" noChangeAspect="1" noMove="1" noResize="1" noEditPoints="1" noAdjustHandles="1" noChangeArrowheads="1" noChangeShapeType="1" noTextEdit="1"/>
+          </p:cNvSpPr>
+          <p:nvPr>
+            <p:extLst>
+              <p:ext uri="{386F3935-93C4-4BCD-93E2-E3B085C9AB24}">
+                <p16:designElem xmlns:p16="http://schemas.microsoft.com/office/powerpoint/2015/main" val="1"/>
+              </p:ext>
+            </p:extLst>
+          </p:nvPr>
+        </p:nvSpPr>
+        <p:spPr>
+          <a:xfrm>
+            <a:off x="5348204" y="-1"/>
+            <a:ext cx="2535264" cy="6858001"/>
+          </a:xfrm>
+          <a:custGeom>
+            <a:avLst/>
+            <a:gdLst>
+              <a:gd name="connsiteX0" fmla="*/ 1218585 w 2535264"/>
+              <a:gd name="connsiteY0" fmla="*/ 0 h 6858001"/>
+              <a:gd name="connsiteX1" fmla="*/ 1236561 w 2535264"/>
+              <a:gd name="connsiteY1" fmla="*/ 0 h 6858001"/>
+              <a:gd name="connsiteX2" fmla="*/ 1264452 w 2535264"/>
+              <a:gd name="connsiteY2" fmla="*/ 24550 h 6858001"/>
+              <a:gd name="connsiteX3" fmla="*/ 2528121 w 2535264"/>
+              <a:gd name="connsiteY3" fmla="*/ 3710502 h 6858001"/>
+              <a:gd name="connsiteX4" fmla="*/ 492890 w 2535264"/>
+              <a:gd name="connsiteY4" fmla="*/ 6507511 h 6858001"/>
+              <a:gd name="connsiteX5" fmla="*/ 221418 w 2535264"/>
+              <a:gd name="connsiteY5" fmla="*/ 6713387 h 6858001"/>
+              <a:gd name="connsiteX6" fmla="*/ 20100 w 2535264"/>
+              <a:gd name="connsiteY6" fmla="*/ 6858001 h 6858001"/>
+              <a:gd name="connsiteX7" fmla="*/ 0 w 2535264"/>
+              <a:gd name="connsiteY7" fmla="*/ 6858001 h 6858001"/>
+              <a:gd name="connsiteX8" fmla="*/ 202488 w 2535264"/>
+              <a:gd name="connsiteY8" fmla="*/ 6712547 h 6858001"/>
+              <a:gd name="connsiteX9" fmla="*/ 473961 w 2535264"/>
+              <a:gd name="connsiteY9" fmla="*/ 6506670 h 6858001"/>
+              <a:gd name="connsiteX10" fmla="*/ 2509192 w 2535264"/>
+              <a:gd name="connsiteY10" fmla="*/ 3709662 h 6858001"/>
+              <a:gd name="connsiteX11" fmla="*/ 1245521 w 2535264"/>
+              <a:gd name="connsiteY11" fmla="*/ 23708 h 6858001"/>
+            </a:gdLst>
+            <a:ahLst/>
+            <a:cxnLst>
+              <a:cxn ang="0">
+                <a:pos x="connsiteX0" y="connsiteY0"/>
+              </a:cxn>
+              <a:cxn ang="0">
+                <a:pos x="connsiteX1" y="connsiteY1"/>
+              </a:cxn>
+              <a:cxn ang="0">
+                <a:pos x="connsiteX2" y="connsiteY2"/>
+              </a:cxn>
+              <a:cxn ang="0">
+                <a:pos x="connsiteX3" y="connsiteY3"/>
+              </a:cxn>
+              <a:cxn ang="0">
+                <a:pos x="connsiteX4" y="connsiteY4"/>
+              </a:cxn>
+              <a:cxn ang="0">
+                <a:pos x="connsiteX5" y="connsiteY5"/>
+              </a:cxn>
+              <a:cxn ang="0">
+                <a:pos x="connsiteX6" y="connsiteY6"/>
+              </a:cxn>
+              <a:cxn ang="0">
+                <a:pos x="connsiteX7" y="connsiteY7"/>
+              </a:cxn>
+              <a:cxn ang="0">
+                <a:pos x="connsiteX8" y="connsiteY8"/>
+              </a:cxn>
+              <a:cxn ang="0">
+                <a:pos x="connsiteX9" y="connsiteY9"/>
+              </a:cxn>
+              <a:cxn ang="0">
+                <a:pos x="connsiteX10" y="connsiteY10"/>
+              </a:cxn>
+              <a:cxn ang="0">
+                <a:pos x="connsiteX11" y="connsiteY11"/>
+              </a:cxn>
+            </a:cxnLst>
+            <a:rect l="l" t="t" r="r" b="b"/>
+            <a:pathLst>
+              <a:path w="2535264" h="6858001">
+                <a:moveTo>
+                  <a:pt x="1218585" y="0"/>
+                </a:moveTo>
+                <a:lnTo>
+                  <a:pt x="1236561" y="0"/>
+                </a:lnTo>
+                <a:lnTo>
+                  <a:pt x="1264452" y="24550"/>
+                </a:lnTo>
+                <a:cubicBezTo>
+                  <a:pt x="2149109" y="863108"/>
+                  <a:pt x="2598329" y="2210814"/>
+                  <a:pt x="2528121" y="3710502"/>
+                </a:cubicBezTo>
+                <a:cubicBezTo>
+                  <a:pt x="2462100" y="5120751"/>
+                  <a:pt x="1489450" y="5742158"/>
+                  <a:pt x="492890" y="6507511"/>
+                </a:cubicBezTo>
+                <a:cubicBezTo>
+                  <a:pt x="402151" y="6577199"/>
+                  <a:pt x="311847" y="6646154"/>
+                  <a:pt x="221418" y="6713387"/>
+                </a:cubicBezTo>
+                <a:lnTo>
+                  <a:pt x="20100" y="6858001"/>
+                </a:lnTo>
+                <a:lnTo>
+                  <a:pt x="0" y="6858001"/>
+                </a:lnTo>
+                <a:lnTo>
+                  <a:pt x="202488" y="6712547"/>
+                </a:lnTo>
+                <a:cubicBezTo>
+                  <a:pt x="292917" y="6645314"/>
+                  <a:pt x="383222" y="6576359"/>
+                  <a:pt x="473961" y="6506670"/>
+                </a:cubicBezTo>
+                <a:cubicBezTo>
+                  <a:pt x="1470520" y="5741317"/>
+                  <a:pt x="2443170" y="5119911"/>
+                  <a:pt x="2509192" y="3709662"/>
+                </a:cubicBezTo>
+                <a:cubicBezTo>
+                  <a:pt x="2579400" y="2209973"/>
+                  <a:pt x="2130178" y="862268"/>
+                  <a:pt x="1245521" y="23708"/>
+                </a:cubicBezTo>
+                <a:close/>
+              </a:path>
+            </a:pathLst>
+          </a:custGeom>
+          <a:solidFill>
+            <a:srgbClr val="FFFFFF"/>
+          </a:solidFill>
+          <a:ln>
+            <a:noFill/>
+          </a:ln>
+        </p:spPr>
+        <p:style>
+          <a:lnRef idx="2">
+            <a:schemeClr val="accent1">
+              <a:shade val="50000"/>
+            </a:schemeClr>
+          </a:lnRef>
+          <a:fillRef idx="1">
+            <a:schemeClr val="accent1"/>
+          </a:fillRef>
+          <a:effectRef idx="0">
+            <a:schemeClr val="accent1"/>
+          </a:effectRef>
+          <a:fontRef idx="minor">
+            <a:schemeClr val="lt1"/>
+          </a:fontRef>
+        </p:style>
+        <p:txBody>
+          <a:bodyPr wrap="square" rtlCol="0" anchor="ctr">
+            <a:noAutofit/>
+          </a:bodyPr>
+          <a:lstStyle/>
+          <a:p>
+            <a:pPr marL="0" marR="0" lvl="0" indent="0" algn="ctr" defTabSz="457200" rtl="0" eaLnBrk="1" fontAlgn="auto" latinLnBrk="0" hangingPunct="1">
+              <a:lnSpc>
+                <a:spcPct val="100000"/>
+              </a:lnSpc>
+              <a:spcBef>
+                <a:spcPts val="0"/>
+              </a:spcBef>
+              <a:spcAft>
+                <a:spcPts val="0"/>
+              </a:spcAft>
+              <a:buClrTx/>
+              <a:buSzTx/>
+              <a:buFontTx/>
+              <a:buNone/>
+              <a:tabLst/>
+              <a:defRPr/>
+            </a:pPr>
+            <a:endParaRPr kumimoji="0" lang="en-US" sz="1800" b="0" i="0" u="none" strike="noStrike" kern="1200" cap="none" spc="0" normalizeH="0" baseline="0" noProof="0" dirty="0">
+              <a:ln>
+                <a:noFill/>
+              </a:ln>
+              <a:solidFill>
+                <a:prstClr val="white"/>
+              </a:solidFill>
+              <a:effectLst/>
+              <a:uLnTx/>
+              <a:uFillTx/>
+              <a:latin typeface="Meiryo"/>
+              <a:ea typeface="+mn-ea"/>
+              <a:cs typeface="+mn-cs"/>
+            </a:endParaRPr>
+          </a:p>
+        </p:txBody>
+      </p:sp>
+      <p:sp>
+        <p:nvSpPr>
+          <p:cNvPr id="17" name="Freeform: Shape 16">
+            <a:extLst>
+              <a:ext uri="{FF2B5EF4-FFF2-40B4-BE49-F238E27FC236}">
+                <a16:creationId xmlns:a16="http://schemas.microsoft.com/office/drawing/2014/main" id="{AC4CE3C4-3600-4353-9FE1-B32D06BEF02B}"/>
+              </a:ext>
+              <a:ext uri="{C183D7F6-B498-43B3-948B-1728B52AA6E4}">
+                <adec:decorative xmlns:adec="http://schemas.microsoft.com/office/drawing/2017/decorative" val="1"/>
+              </a:ext>
+            </a:extLst>
+          </p:cNvPr>
+          <p:cNvSpPr>
+            <a:spLocks noGrp="1" noRot="1" noChangeAspect="1" noMove="1" noResize="1" noEditPoints="1" noAdjustHandles="1" noChangeArrowheads="1" noChangeShapeType="1" noTextEdit="1"/>
+          </p:cNvSpPr>
+          <p:nvPr>
+            <p:extLst>
+              <p:ext uri="{386F3935-93C4-4BCD-93E2-E3B085C9AB24}">
+                <p16:designElem xmlns:p16="http://schemas.microsoft.com/office/powerpoint/2015/main" val="1"/>
+              </p:ext>
+            </p:extLst>
+          </p:nvPr>
+        </p:nvSpPr>
+        <p:spPr>
+          <a:xfrm>
+            <a:off x="5133737" y="0"/>
+            <a:ext cx="2536434" cy="6858000"/>
+          </a:xfrm>
+          <a:custGeom>
+            <a:avLst/>
+            <a:gdLst>
+              <a:gd name="connsiteX0" fmla="*/ 879731 w 2536434"/>
+              <a:gd name="connsiteY0" fmla="*/ 0 h 6858000"/>
+              <a:gd name="connsiteX1" fmla="*/ 913411 w 2536434"/>
+              <a:gd name="connsiteY1" fmla="*/ 0 h 6858000"/>
+              <a:gd name="connsiteX2" fmla="*/ 935535 w 2536434"/>
+              <a:gd name="connsiteY2" fmla="*/ 14997 h 6858000"/>
+              <a:gd name="connsiteX3" fmla="*/ 2536434 w 2536434"/>
+              <a:gd name="connsiteY3" fmla="*/ 3621656 h 6858000"/>
+              <a:gd name="connsiteX4" fmla="*/ 662084 w 2536434"/>
+              <a:gd name="connsiteY4" fmla="*/ 6374814 h 6858000"/>
+              <a:gd name="connsiteX5" fmla="*/ 145436 w 2536434"/>
+              <a:gd name="connsiteY5" fmla="*/ 6780599 h 6858000"/>
+              <a:gd name="connsiteX6" fmla="*/ 33680 w 2536434"/>
+              <a:gd name="connsiteY6" fmla="*/ 6858000 h 6858000"/>
+              <a:gd name="connsiteX7" fmla="*/ 0 w 2536434"/>
+              <a:gd name="connsiteY7" fmla="*/ 6858000 h 6858000"/>
+              <a:gd name="connsiteX8" fmla="*/ 111756 w 2536434"/>
+              <a:gd name="connsiteY8" fmla="*/ 6780599 h 6858000"/>
+              <a:gd name="connsiteX9" fmla="*/ 628404 w 2536434"/>
+              <a:gd name="connsiteY9" fmla="*/ 6374814 h 6858000"/>
+              <a:gd name="connsiteX10" fmla="*/ 2502754 w 2536434"/>
+              <a:gd name="connsiteY10" fmla="*/ 3621656 h 6858000"/>
+              <a:gd name="connsiteX11" fmla="*/ 901855 w 2536434"/>
+              <a:gd name="connsiteY11" fmla="*/ 14997 h 6858000"/>
+            </a:gdLst>
+            <a:ahLst/>
+            <a:cxnLst>
+              <a:cxn ang="0">
+                <a:pos x="connsiteX0" y="connsiteY0"/>
+              </a:cxn>
+              <a:cxn ang="0">
+                <a:pos x="connsiteX1" y="connsiteY1"/>
+              </a:cxn>
+              <a:cxn ang="0">
+                <a:pos x="connsiteX2" y="connsiteY2"/>
+              </a:cxn>
+              <a:cxn ang="0">
+                <a:pos x="connsiteX3" y="connsiteY3"/>
+              </a:cxn>
+              <a:cxn ang="0">
+                <a:pos x="connsiteX4" y="connsiteY4"/>
+              </a:cxn>
+              <a:cxn ang="0">
+                <a:pos x="connsiteX5" y="connsiteY5"/>
+              </a:cxn>
+              <a:cxn ang="0">
+                <a:pos x="connsiteX6" y="connsiteY6"/>
+              </a:cxn>
+              <a:cxn ang="0">
+                <a:pos x="connsiteX7" y="connsiteY7"/>
+              </a:cxn>
+              <a:cxn ang="0">
+                <a:pos x="connsiteX8" y="connsiteY8"/>
+              </a:cxn>
+              <a:cxn ang="0">
+                <a:pos x="connsiteX9" y="connsiteY9"/>
+              </a:cxn>
+              <a:cxn ang="0">
+                <a:pos x="connsiteX10" y="connsiteY10"/>
+              </a:cxn>
+              <a:cxn ang="0">
+                <a:pos x="connsiteX11" y="connsiteY11"/>
+              </a:cxn>
+            </a:cxnLst>
+            <a:rect l="l" t="t" r="r" b="b"/>
+            <a:pathLst>
+              <a:path w="2536434" h="6858000">
+                <a:moveTo>
+                  <a:pt x="879731" y="0"/>
+                </a:moveTo>
+                <a:lnTo>
+                  <a:pt x="913411" y="0"/>
+                </a:lnTo>
+                <a:lnTo>
+                  <a:pt x="935535" y="14997"/>
+                </a:lnTo>
+                <a:cubicBezTo>
+                  <a:pt x="1962698" y="754641"/>
+                  <a:pt x="2536434" y="2093192"/>
+                  <a:pt x="2536434" y="3621656"/>
+                </a:cubicBezTo>
+                <a:cubicBezTo>
+                  <a:pt x="2536434" y="4969131"/>
+                  <a:pt x="1607709" y="5602839"/>
+                  <a:pt x="662084" y="6374814"/>
+                </a:cubicBezTo>
+                <a:cubicBezTo>
+                  <a:pt x="489881" y="6515397"/>
+                  <a:pt x="319254" y="6653108"/>
+                  <a:pt x="145436" y="6780599"/>
+                </a:cubicBezTo>
+                <a:lnTo>
+                  <a:pt x="33680" y="6858000"/>
+                </a:lnTo>
+                <a:lnTo>
+                  <a:pt x="0" y="6858000"/>
+                </a:lnTo>
+                <a:lnTo>
+                  <a:pt x="111756" y="6780599"/>
+                </a:lnTo>
+                <a:cubicBezTo>
+                  <a:pt x="285574" y="6653108"/>
+                  <a:pt x="456201" y="6515397"/>
+                  <a:pt x="628404" y="6374814"/>
+                </a:cubicBezTo>
+                <a:cubicBezTo>
+                  <a:pt x="1574029" y="5602839"/>
+                  <a:pt x="2502754" y="4969131"/>
+                  <a:pt x="2502754" y="3621656"/>
+                </a:cubicBezTo>
+                <a:cubicBezTo>
+                  <a:pt x="2502754" y="2093192"/>
+                  <a:pt x="1929018" y="754641"/>
+                  <a:pt x="901855" y="14997"/>
+                </a:cubicBezTo>
+                <a:close/>
+              </a:path>
+            </a:pathLst>
+          </a:custGeom>
+          <a:solidFill>
+            <a:srgbClr val="FFFFFF"/>
+          </a:solidFill>
+          <a:ln>
+            <a:noFill/>
+          </a:ln>
+        </p:spPr>
+        <p:style>
+          <a:lnRef idx="2">
+            <a:schemeClr val="accent1">
+              <a:shade val="50000"/>
+            </a:schemeClr>
+          </a:lnRef>
+          <a:fillRef idx="1">
+            <a:schemeClr val="accent1"/>
+          </a:fillRef>
+          <a:effectRef idx="0">
+            <a:schemeClr val="accent1"/>
+          </a:effectRef>
+          <a:fontRef idx="minor">
+            <a:schemeClr val="lt1"/>
+          </a:fontRef>
+        </p:style>
+        <p:txBody>
+          <a:bodyPr wrap="square" rtlCol="0" anchor="ctr">
+            <a:noAutofit/>
+          </a:bodyPr>
+          <a:lstStyle/>
+          <a:p>
+            <a:pPr marL="0" marR="0" lvl="0" indent="0" algn="ctr" defTabSz="914400" rtl="0" eaLnBrk="1" fontAlgn="auto" latinLnBrk="0" hangingPunct="1">
+              <a:lnSpc>
+                <a:spcPct val="100000"/>
+              </a:lnSpc>
+              <a:spcBef>
+                <a:spcPts val="0"/>
+              </a:spcBef>
+              <a:spcAft>
+                <a:spcPts val="0"/>
+              </a:spcAft>
+              <a:buClrTx/>
+              <a:buSzTx/>
+              <a:buFontTx/>
+              <a:buNone/>
+              <a:tabLst/>
+              <a:defRPr/>
+            </a:pPr>
+            <a:endParaRPr kumimoji="0" lang="en-US" sz="1800" b="0" i="0" u="none" strike="noStrike" kern="1200" cap="none" spc="0" normalizeH="0" baseline="0" noProof="0" dirty="0">
+              <a:ln>
+                <a:noFill/>
+              </a:ln>
+              <a:solidFill>
+                <a:prstClr val="white"/>
+              </a:solidFill>
+              <a:effectLst/>
+              <a:uLnTx/>
+              <a:uFillTx/>
+              <a:latin typeface="Meiryo"/>
+              <a:ea typeface="+mn-ea"/>
+              <a:cs typeface="+mn-cs"/>
+            </a:endParaRPr>
+          </a:p>
+        </p:txBody>
+      </p:sp>
       <p:sp>
         <p:nvSpPr>
           <p:cNvPr id="2" name="Título 1">
@@ -8492,24 +9192,32 @@
             <p:ph type="title"/>
           </p:nvPr>
         </p:nvSpPr>
-        <p:spPr/>
+        <p:spPr>
+          <a:xfrm>
+            <a:off x="992518" y="442913"/>
+            <a:ext cx="5185645" cy="1639888"/>
+          </a:xfrm>
+        </p:spPr>
         <p:txBody>
-          <a:bodyPr/>
+          <a:bodyPr anchor="b">
+            <a:normAutofit/>
+          </a:bodyPr>
           <a:lstStyle/>
           <a:p>
             <a:r>
-              <a:rPr lang="pt-BR" dirty="0"/>
+              <a:rPr lang="pt-BR"/>
               <a:t>ARQUITETURA</a:t>
             </a:r>
+            <a:endParaRPr lang="pt-BR" dirty="0"/>
           </a:p>
         </p:txBody>
       </p:sp>
       <p:sp>
         <p:nvSpPr>
-          <p:cNvPr id="3" name="Espaço Reservado para Conteúdo 2">
+          <p:cNvPr id="8" name="Content Placeholder 7">
             <a:extLst>
               <a:ext uri="{FF2B5EF4-FFF2-40B4-BE49-F238E27FC236}">
-                <a16:creationId xmlns:a16="http://schemas.microsoft.com/office/drawing/2014/main" id="{70773F8A-ED8E-792D-B3A7-86A691F7691C}"/>
+                <a16:creationId xmlns:a16="http://schemas.microsoft.com/office/drawing/2014/main" id="{A62AD740-3E58-8D89-9958-5CA08B9CD654}"/>
               </a:ext>
             </a:extLst>
           </p:cNvPr>
@@ -8520,15 +9228,52 @@
             <p:ph idx="1"/>
           </p:nvPr>
         </p:nvSpPr>
-        <p:spPr/>
+        <p:spPr>
+          <a:xfrm>
+            <a:off x="992519" y="2312988"/>
+            <a:ext cx="5296964" cy="3651250"/>
+          </a:xfrm>
+        </p:spPr>
         <p:txBody>
-          <a:bodyPr/>
+          <a:bodyPr>
+            <a:normAutofit/>
+          </a:bodyPr>
           <a:lstStyle/>
           <a:p>
-            <a:endParaRPr lang="pt-BR"/>
+            <a:endParaRPr lang="en-US"/>
           </a:p>
         </p:txBody>
       </p:sp>
+      <p:pic>
+        <p:nvPicPr>
+          <p:cNvPr id="4" name="Espaço Reservado para Conteúdo 3">
+            <a:extLst>
+              <a:ext uri="{FF2B5EF4-FFF2-40B4-BE49-F238E27FC236}">
+                <a16:creationId xmlns:a16="http://schemas.microsoft.com/office/drawing/2014/main" id="{2EDC9CC9-B457-318B-02EB-572D61C7B095}"/>
+              </a:ext>
+            </a:extLst>
+          </p:cNvPr>
+          <p:cNvPicPr>
+            <a:picLocks noChangeAspect="1"/>
+          </p:cNvPicPr>
+          <p:nvPr/>
+        </p:nvPicPr>
+        <p:blipFill>
+          <a:blip r:embed="rId2"/>
+          <a:stretch>
+            <a:fillRect/>
+          </a:stretch>
+        </p:blipFill>
+        <p:spPr>
+          <a:xfrm>
+            <a:off x="8237967" y="1088691"/>
+            <a:ext cx="2988679" cy="4680617"/>
+          </a:xfrm>
+          <a:prstGeom prst="rect">
+            <a:avLst/>
+          </a:prstGeom>
+        </p:spPr>
+      </p:pic>
     </p:spTree>
     <p:extLst>
       <p:ext uri="{BB962C8B-B14F-4D97-AF65-F5344CB8AC3E}">
